--- a/report/Ppt Do An.pptx
+++ b/report/Ppt Do An.pptx
@@ -23035,52 +23035,260 @@
           <a:bodyPr rtlCol="0" anchor="ctr"/>
           <a:lstStyle/>
           <a:p>
+            <a:pPr algn="ctr"/>
             <a:r>
-              <a:rPr lang="en-US" sz="1800" dirty="0" err="1"/>
-              <a:t>Tìm</a:t>
+              <a:rPr lang="en-US" sz="1800" dirty="0">
+                <a:latin typeface="Times New Roman" panose="02020603050405020304" pitchFamily="18" charset="0"/>
+                <a:cs typeface="Times New Roman" panose="02020603050405020304" pitchFamily="18" charset="0"/>
+              </a:rPr>
+              <a:t>Thu </a:t>
             </a:r>
             <a:r>
-              <a:rPr lang="en-US" sz="1800" dirty="0"/>
+              <a:rPr lang="en-US" sz="1800" dirty="0" err="1">
+                <a:latin typeface="Times New Roman" panose="02020603050405020304" pitchFamily="18" charset="0"/>
+                <a:cs typeface="Times New Roman" panose="02020603050405020304" pitchFamily="18" charset="0"/>
+              </a:rPr>
+              <a:t>thập</a:t>
+            </a:r>
+            <a:r>
+              <a:rPr lang="en-US" sz="1800" dirty="0">
+                <a:latin typeface="Times New Roman" panose="02020603050405020304" pitchFamily="18" charset="0"/>
+                <a:cs typeface="Times New Roman" panose="02020603050405020304" pitchFamily="18" charset="0"/>
+              </a:rPr>
               <a:t> </a:t>
             </a:r>
             <a:r>
-              <a:rPr lang="en-US" sz="1800" dirty="0" err="1"/>
-              <a:t>hiểu</a:t>
+              <a:rPr lang="en-US" sz="1800" dirty="0" err="1">
+                <a:latin typeface="Times New Roman" panose="02020603050405020304" pitchFamily="18" charset="0"/>
+                <a:cs typeface="Times New Roman" panose="02020603050405020304" pitchFamily="18" charset="0"/>
+              </a:rPr>
+              <a:t>và</a:t>
             </a:r>
             <a:r>
-              <a:rPr lang="en-US" sz="1800" dirty="0"/>
+              <a:rPr lang="en-US" sz="1800" dirty="0">
+                <a:latin typeface="Times New Roman" panose="02020603050405020304" pitchFamily="18" charset="0"/>
+                <a:cs typeface="Times New Roman" panose="02020603050405020304" pitchFamily="18" charset="0"/>
+              </a:rPr>
               <a:t> </a:t>
             </a:r>
             <a:r>
-              <a:rPr lang="en-US" sz="1800" dirty="0" err="1"/>
-              <a:t>về</a:t>
+              <a:rPr lang="en-US" sz="1800" dirty="0" err="1">
+                <a:latin typeface="Times New Roman" panose="02020603050405020304" pitchFamily="18" charset="0"/>
+                <a:cs typeface="Times New Roman" panose="02020603050405020304" pitchFamily="18" charset="0"/>
+              </a:rPr>
+              <a:t>phân</a:t>
             </a:r>
             <a:r>
-              <a:rPr lang="en-US" sz="1800" dirty="0"/>
+              <a:rPr lang="en-US" sz="1800" dirty="0">
+                <a:latin typeface="Times New Roman" panose="02020603050405020304" pitchFamily="18" charset="0"/>
+                <a:cs typeface="Times New Roman" panose="02020603050405020304" pitchFamily="18" charset="0"/>
+              </a:rPr>
               <a:t> </a:t>
             </a:r>
             <a:r>
-              <a:rPr lang="en-US" sz="1800" dirty="0" err="1"/>
+              <a:rPr lang="en-US" sz="1800" dirty="0" err="1">
+                <a:latin typeface="Times New Roman" panose="02020603050405020304" pitchFamily="18" charset="0"/>
+                <a:cs typeface="Times New Roman" panose="02020603050405020304" pitchFamily="18" charset="0"/>
+              </a:rPr>
+              <a:t>tích</a:t>
+            </a:r>
+            <a:r>
+              <a:rPr lang="en-US" sz="1800" dirty="0">
+                <a:latin typeface="Times New Roman" panose="02020603050405020304" pitchFamily="18" charset="0"/>
+                <a:cs typeface="Times New Roman" panose="02020603050405020304" pitchFamily="18" charset="0"/>
+              </a:rPr>
+              <a:t> </a:t>
+            </a:r>
+            <a:r>
+              <a:rPr lang="en-US" sz="1800" dirty="0" err="1">
+                <a:latin typeface="Times New Roman" panose="02020603050405020304" pitchFamily="18" charset="0"/>
+                <a:cs typeface="Times New Roman" panose="02020603050405020304" pitchFamily="18" charset="0"/>
+              </a:rPr>
+              <a:t>dữ</a:t>
+            </a:r>
+            <a:r>
+              <a:rPr lang="en-US" sz="1800" dirty="0">
+                <a:latin typeface="Times New Roman" panose="02020603050405020304" pitchFamily="18" charset="0"/>
+                <a:cs typeface="Times New Roman" panose="02020603050405020304" pitchFamily="18" charset="0"/>
+              </a:rPr>
+              <a:t> </a:t>
+            </a:r>
+            <a:r>
+              <a:rPr lang="en-US" sz="1800" dirty="0" err="1">
+                <a:latin typeface="Times New Roman" panose="02020603050405020304" pitchFamily="18" charset="0"/>
+                <a:cs typeface="Times New Roman" panose="02020603050405020304" pitchFamily="18" charset="0"/>
+              </a:rPr>
+              <a:t>liệu</a:t>
+            </a:r>
+            <a:r>
+              <a:rPr lang="en-US" sz="1800" dirty="0">
+                <a:latin typeface="Times New Roman" panose="02020603050405020304" pitchFamily="18" charset="0"/>
+                <a:cs typeface="Times New Roman" panose="02020603050405020304" pitchFamily="18" charset="0"/>
+              </a:rPr>
+              <a:t> </a:t>
+            </a:r>
+            <a:r>
+              <a:rPr lang="en-US" sz="1800" dirty="0" err="1">
+                <a:latin typeface="Times New Roman" panose="02020603050405020304" pitchFamily="18" charset="0"/>
+                <a:cs typeface="Times New Roman" panose="02020603050405020304" pitchFamily="18" charset="0"/>
+              </a:rPr>
+              <a:t>dược</a:t>
+            </a:r>
+            <a:r>
+              <a:rPr lang="en-US" sz="1800" dirty="0">
+                <a:latin typeface="Times New Roman" panose="02020603050405020304" pitchFamily="18" charset="0"/>
+                <a:cs typeface="Times New Roman" panose="02020603050405020304" pitchFamily="18" charset="0"/>
+              </a:rPr>
+              <a:t> </a:t>
+            </a:r>
+            <a:r>
+              <a:rPr lang="en-US" sz="1800" dirty="0" err="1">
+                <a:latin typeface="Times New Roman" panose="02020603050405020304" pitchFamily="18" charset="0"/>
+                <a:cs typeface="Times New Roman" panose="02020603050405020304" pitchFamily="18" charset="0"/>
+              </a:rPr>
+              <a:t>phẩm</a:t>
+            </a:r>
+            <a:r>
+              <a:rPr lang="en-US" sz="1800" dirty="0">
+                <a:latin typeface="Times New Roman" panose="02020603050405020304" pitchFamily="18" charset="0"/>
+                <a:cs typeface="Times New Roman" panose="02020603050405020304" pitchFamily="18" charset="0"/>
+              </a:rPr>
+              <a:t> </a:t>
+            </a:r>
+            <a:r>
+              <a:rPr lang="en-US" sz="1800" dirty="0" err="1">
+                <a:latin typeface="Times New Roman" panose="02020603050405020304" pitchFamily="18" charset="0"/>
+                <a:cs typeface="Times New Roman" panose="02020603050405020304" pitchFamily="18" charset="0"/>
+              </a:rPr>
+              <a:t>từ</a:t>
+            </a:r>
+            <a:r>
+              <a:rPr lang="en-US" sz="1800" dirty="0">
+                <a:latin typeface="Times New Roman" panose="02020603050405020304" pitchFamily="18" charset="0"/>
+                <a:cs typeface="Times New Roman" panose="02020603050405020304" pitchFamily="18" charset="0"/>
+              </a:rPr>
+              <a:t> Website Pharmacity.vn</a:t>
+            </a:r>
+          </a:p>
+          <a:p>
+            <a:pPr algn="ctr"/>
+            <a:r>
+              <a:rPr lang="en-US" sz="1800" dirty="0">
+                <a:latin typeface="Times New Roman" panose="02020603050405020304" pitchFamily="18" charset="0"/>
+                <a:cs typeface="Times New Roman" panose="02020603050405020304" pitchFamily="18" charset="0"/>
+              </a:rPr>
+              <a:t> </a:t>
+            </a:r>
+            <a:r>
+              <a:rPr lang="en-US" sz="1800" dirty="0" err="1">
+                <a:latin typeface="Times New Roman" panose="02020603050405020304" pitchFamily="18" charset="0"/>
+                <a:cs typeface="Times New Roman" panose="02020603050405020304" pitchFamily="18" charset="0"/>
+              </a:rPr>
+              <a:t>Sử</a:t>
+            </a:r>
+            <a:r>
+              <a:rPr lang="en-US" sz="1800" dirty="0">
+                <a:latin typeface="Times New Roman" panose="02020603050405020304" pitchFamily="18" charset="0"/>
+                <a:cs typeface="Times New Roman" panose="02020603050405020304" pitchFamily="18" charset="0"/>
+              </a:rPr>
+              <a:t> </a:t>
+            </a:r>
+            <a:r>
+              <a:rPr lang="en-US" sz="1800" dirty="0" err="1">
+                <a:latin typeface="Times New Roman" panose="02020603050405020304" pitchFamily="18" charset="0"/>
+                <a:cs typeface="Times New Roman" panose="02020603050405020304" pitchFamily="18" charset="0"/>
+              </a:rPr>
+              <a:t>dụng</a:t>
+            </a:r>
+            <a:r>
+              <a:rPr lang="en-US" sz="1800" dirty="0">
+                <a:latin typeface="Times New Roman" panose="02020603050405020304" pitchFamily="18" charset="0"/>
+                <a:cs typeface="Times New Roman" panose="02020603050405020304" pitchFamily="18" charset="0"/>
+              </a:rPr>
+              <a:t> </a:t>
+            </a:r>
+            <a:r>
+              <a:rPr lang="en-US" sz="1800" dirty="0" err="1">
+                <a:latin typeface="Times New Roman" panose="02020603050405020304" pitchFamily="18" charset="0"/>
+                <a:cs typeface="Times New Roman" panose="02020603050405020304" pitchFamily="18" charset="0"/>
+              </a:rPr>
               <a:t>công</a:t>
             </a:r>
             <a:r>
-              <a:rPr lang="en-US" sz="1800" dirty="0"/>
+              <a:rPr lang="en-US" sz="1800" dirty="0">
+                <a:latin typeface="Times New Roman" panose="02020603050405020304" pitchFamily="18" charset="0"/>
+                <a:cs typeface="Times New Roman" panose="02020603050405020304" pitchFamily="18" charset="0"/>
+              </a:rPr>
               <a:t> </a:t>
             </a:r>
             <a:r>
-              <a:rPr lang="en-US" sz="1800" dirty="0" err="1"/>
+              <a:rPr lang="en-US" sz="1800" dirty="0" err="1">
+                <a:latin typeface="Times New Roman" panose="02020603050405020304" pitchFamily="18" charset="0"/>
+                <a:cs typeface="Times New Roman" panose="02020603050405020304" pitchFamily="18" charset="0"/>
+              </a:rPr>
               <a:t>cụ</a:t>
             </a:r>
             <a:r>
-              <a:rPr lang="en-US" sz="1800" dirty="0"/>
+              <a:rPr lang="en-US" sz="1800" dirty="0">
+                <a:latin typeface="Times New Roman" panose="02020603050405020304" pitchFamily="18" charset="0"/>
+                <a:cs typeface="Times New Roman" panose="02020603050405020304" pitchFamily="18" charset="0"/>
+              </a:rPr>
+              <a:t> </a:t>
+            </a:r>
+            <a:r>
+              <a:rPr lang="en-US" sz="1800" dirty="0" err="1">
+                <a:latin typeface="Times New Roman" panose="02020603050405020304" pitchFamily="18" charset="0"/>
+                <a:cs typeface="Times New Roman" panose="02020603050405020304" pitchFamily="18" charset="0"/>
+              </a:rPr>
+              <a:t>Mã</a:t>
+            </a:r>
+            <a:r>
+              <a:rPr lang="en-US" sz="1800" dirty="0">
+                <a:latin typeface="Times New Roman" panose="02020603050405020304" pitchFamily="18" charset="0"/>
+                <a:cs typeface="Times New Roman" panose="02020603050405020304" pitchFamily="18" charset="0"/>
+              </a:rPr>
+              <a:t> </a:t>
+            </a:r>
+            <a:r>
+              <a:rPr lang="en-US" sz="1800" dirty="0" err="1">
+                <a:latin typeface="Times New Roman" panose="02020603050405020304" pitchFamily="18" charset="0"/>
+                <a:cs typeface="Times New Roman" panose="02020603050405020304" pitchFamily="18" charset="0"/>
+              </a:rPr>
+              <a:t>Nguồn</a:t>
+            </a:r>
+            <a:r>
+              <a:rPr lang="en-US" sz="1800" dirty="0">
+                <a:latin typeface="Times New Roman" panose="02020603050405020304" pitchFamily="18" charset="0"/>
+                <a:cs typeface="Times New Roman" panose="02020603050405020304" pitchFamily="18" charset="0"/>
+              </a:rPr>
+              <a:t> </a:t>
+            </a:r>
+            <a:r>
+              <a:rPr lang="en-US" sz="1800" dirty="0" err="1">
+                <a:latin typeface="Times New Roman" panose="02020603050405020304" pitchFamily="18" charset="0"/>
+                <a:cs typeface="Times New Roman" panose="02020603050405020304" pitchFamily="18" charset="0"/>
+              </a:rPr>
+              <a:t>Mở</a:t>
+            </a:r>
+            <a:r>
+              <a:rPr lang="en-US" sz="1800" dirty="0">
+                <a:latin typeface="Times New Roman" panose="02020603050405020304" pitchFamily="18" charset="0"/>
+                <a:cs typeface="Times New Roman" panose="02020603050405020304" pitchFamily="18" charset="0"/>
+              </a:rPr>
               <a:t> Selenium </a:t>
             </a:r>
             <a:r>
-              <a:rPr lang="en-US" sz="1800" dirty="0" err="1"/>
+              <a:rPr lang="en-US" sz="1800" dirty="0" err="1">
+                <a:latin typeface="Times New Roman" panose="02020603050405020304" pitchFamily="18" charset="0"/>
+                <a:cs typeface="Times New Roman" panose="02020603050405020304" pitchFamily="18" charset="0"/>
+              </a:rPr>
               <a:t>và</a:t>
             </a:r>
             <a:r>
-              <a:rPr lang="en-US" sz="1800" dirty="0"/>
+              <a:rPr lang="en-US" sz="1800" dirty="0">
+                <a:latin typeface="Times New Roman" panose="02020603050405020304" pitchFamily="18" charset="0"/>
+                <a:cs typeface="Times New Roman" panose="02020603050405020304" pitchFamily="18" charset="0"/>
+              </a:rPr>
               <a:t> MongoDB</a:t>
             </a:r>
           </a:p>
